--- a/Presentation_230124/Presentation_230124.pptx
+++ b/Presentation_230124/Presentation_230124.pptx
@@ -16,8 +16,8 @@
     <p:sldId id="262" r:id="rId7"/>
     <p:sldId id="263" r:id="rId8"/>
     <p:sldId id="261" r:id="rId9"/>
-    <p:sldId id="265" r:id="rId10"/>
-    <p:sldId id="266" r:id="rId11"/>
+    <p:sldId id="266" r:id="rId10"/>
+    <p:sldId id="265" r:id="rId11"/>
     <p:sldId id="264" r:id="rId12"/>
   </p:sldIdLst>
   <p:sldSz cx="12192000" cy="6858000"/>
@@ -117,6 +117,11 @@
       </a:defRPr>
     </a:lvl9pPr>
   </p:defaultTextStyle>
+  <p:extLst>
+    <p:ext uri="{EFAFB233-063F-42B5-8137-9DF3F51BA10A}">
+      <p15:sldGuideLst xmlns:p15="http://schemas.microsoft.com/office/powerpoint/2012/main"/>
+    </p:ext>
+  </p:extLst>
 </p:presentation>
 </file>
 
@@ -1256,7 +1261,7 @@
           <a:p>
             <a:fld id="{31B06ED9-9E5D-4427-B72C-65849062A6B3}" type="datetimeFigureOut">
               <a:rPr lang="de-DE" smtClean="0"/>
-              <a:t>23.01.2023</a:t>
+              <a:t>24.01.2023</a:t>
             </a:fld>
             <a:endParaRPr lang="de-DE"/>
           </a:p>
@@ -1414,7 +1419,7 @@
           <a:p>
             <a:fld id="{14610D3D-AE1D-4257-A402-2D2EBEF323E5}" type="slidenum">
               <a:rPr lang="de-DE" smtClean="0"/>
-              <a:t>‹Nr.›</a:t>
+              <a:t>‹#›</a:t>
             </a:fld>
             <a:endParaRPr lang="de-DE"/>
           </a:p>
@@ -1654,7 +1659,7 @@
           <a:p>
             <a:fld id="{03CF2C5A-0DAC-46B2-9838-0E07B80CE94A}" type="datetime1">
               <a:rPr lang="de-DE" smtClean="0"/>
-              <a:t>23.01.2023</a:t>
+              <a:t>24.01.2023</a:t>
             </a:fld>
             <a:endParaRPr lang="de-DE"/>
           </a:p>
@@ -1696,7 +1701,7 @@
           <a:p>
             <a:fld id="{91D39351-CEC1-4555-9C2C-728618831CFF}" type="slidenum">
               <a:rPr lang="de-DE" smtClean="0"/>
-              <a:t>‹Nr.›</a:t>
+              <a:t>‹#›</a:t>
             </a:fld>
             <a:endParaRPr lang="de-DE"/>
           </a:p>
@@ -1824,7 +1829,7 @@
           <a:p>
             <a:fld id="{7125D5AF-F812-428E-B189-7D5911A2E739}" type="datetime1">
               <a:rPr lang="de-DE" smtClean="0"/>
-              <a:t>23.01.2023</a:t>
+              <a:t>24.01.2023</a:t>
             </a:fld>
             <a:endParaRPr lang="de-DE"/>
           </a:p>
@@ -1866,7 +1871,7 @@
           <a:p>
             <a:fld id="{91D39351-CEC1-4555-9C2C-728618831CFF}" type="slidenum">
               <a:rPr lang="de-DE" smtClean="0"/>
-              <a:t>‹Nr.›</a:t>
+              <a:t>‹#›</a:t>
             </a:fld>
             <a:endParaRPr lang="de-DE"/>
           </a:p>
@@ -2004,7 +2009,7 @@
           <a:p>
             <a:fld id="{B88C2FE0-34AD-4AE9-89C5-DB75DF4C9636}" type="datetime1">
               <a:rPr lang="de-DE" smtClean="0"/>
-              <a:t>23.01.2023</a:t>
+              <a:t>24.01.2023</a:t>
             </a:fld>
             <a:endParaRPr lang="de-DE"/>
           </a:p>
@@ -2046,7 +2051,7 @@
           <a:p>
             <a:fld id="{91D39351-CEC1-4555-9C2C-728618831CFF}" type="slidenum">
               <a:rPr lang="de-DE" smtClean="0"/>
-              <a:t>‹Nr.›</a:t>
+              <a:t>‹#›</a:t>
             </a:fld>
             <a:endParaRPr lang="de-DE"/>
           </a:p>
@@ -2174,7 +2179,7 @@
           <a:p>
             <a:fld id="{0470CD90-566E-4107-91D0-DED08E0FF4F7}" type="datetime1">
               <a:rPr lang="de-DE" smtClean="0"/>
-              <a:t>23.01.2023</a:t>
+              <a:t>24.01.2023</a:t>
             </a:fld>
             <a:endParaRPr lang="de-DE"/>
           </a:p>
@@ -2216,7 +2221,7 @@
           <a:p>
             <a:fld id="{91D39351-CEC1-4555-9C2C-728618831CFF}" type="slidenum">
               <a:rPr lang="de-DE" smtClean="0"/>
-              <a:t>‹Nr.›</a:t>
+              <a:t>‹#›</a:t>
             </a:fld>
             <a:endParaRPr lang="de-DE"/>
           </a:p>
@@ -2420,7 +2425,7 @@
           <a:p>
             <a:fld id="{39FFFC70-B186-461A-AD92-1C689021FA30}" type="datetime1">
               <a:rPr lang="de-DE" smtClean="0"/>
-              <a:t>23.01.2023</a:t>
+              <a:t>24.01.2023</a:t>
             </a:fld>
             <a:endParaRPr lang="de-DE"/>
           </a:p>
@@ -2462,7 +2467,7 @@
           <a:p>
             <a:fld id="{91D39351-CEC1-4555-9C2C-728618831CFF}" type="slidenum">
               <a:rPr lang="de-DE" smtClean="0"/>
-              <a:t>‹Nr.›</a:t>
+              <a:t>‹#›</a:t>
             </a:fld>
             <a:endParaRPr lang="de-DE"/>
           </a:p>
@@ -2652,7 +2657,7 @@
           <a:p>
             <a:fld id="{21B034E0-F4E6-4AC9-BF06-C9621A50BDBA}" type="datetime1">
               <a:rPr lang="de-DE" smtClean="0"/>
-              <a:t>23.01.2023</a:t>
+              <a:t>24.01.2023</a:t>
             </a:fld>
             <a:endParaRPr lang="de-DE"/>
           </a:p>
@@ -2694,7 +2699,7 @@
           <a:p>
             <a:fld id="{91D39351-CEC1-4555-9C2C-728618831CFF}" type="slidenum">
               <a:rPr lang="de-DE" smtClean="0"/>
-              <a:t>‹Nr.›</a:t>
+              <a:t>‹#›</a:t>
             </a:fld>
             <a:endParaRPr lang="de-DE"/>
           </a:p>
@@ -3019,7 +3024,7 @@
           <a:p>
             <a:fld id="{F6143792-BDED-423B-BA07-063544E5AF80}" type="datetime1">
               <a:rPr lang="de-DE" smtClean="0"/>
-              <a:t>23.01.2023</a:t>
+              <a:t>24.01.2023</a:t>
             </a:fld>
             <a:endParaRPr lang="de-DE"/>
           </a:p>
@@ -3061,7 +3066,7 @@
           <a:p>
             <a:fld id="{91D39351-CEC1-4555-9C2C-728618831CFF}" type="slidenum">
               <a:rPr lang="de-DE" smtClean="0"/>
-              <a:t>‹Nr.›</a:t>
+              <a:t>‹#›</a:t>
             </a:fld>
             <a:endParaRPr lang="de-DE"/>
           </a:p>
@@ -3137,7 +3142,7 @@
           <a:p>
             <a:fld id="{E6D1A7FC-FA69-46A9-833E-0E14A0D3A9B0}" type="datetime1">
               <a:rPr lang="de-DE" smtClean="0"/>
-              <a:t>23.01.2023</a:t>
+              <a:t>24.01.2023</a:t>
             </a:fld>
             <a:endParaRPr lang="de-DE"/>
           </a:p>
@@ -3179,7 +3184,7 @@
           <a:p>
             <a:fld id="{91D39351-CEC1-4555-9C2C-728618831CFF}" type="slidenum">
               <a:rPr lang="de-DE" smtClean="0"/>
-              <a:t>‹Nr.›</a:t>
+              <a:t>‹#›</a:t>
             </a:fld>
             <a:endParaRPr lang="de-DE"/>
           </a:p>
@@ -3232,7 +3237,7 @@
           <a:p>
             <a:fld id="{733C6139-0FEF-4DBC-BED3-EF811F587B33}" type="datetime1">
               <a:rPr lang="de-DE" smtClean="0"/>
-              <a:t>23.01.2023</a:t>
+              <a:t>24.01.2023</a:t>
             </a:fld>
             <a:endParaRPr lang="de-DE"/>
           </a:p>
@@ -3274,7 +3279,7 @@
           <a:p>
             <a:fld id="{91D39351-CEC1-4555-9C2C-728618831CFF}" type="slidenum">
               <a:rPr lang="de-DE" smtClean="0"/>
-              <a:t>‹Nr.›</a:t>
+              <a:t>‹#›</a:t>
             </a:fld>
             <a:endParaRPr lang="de-DE"/>
           </a:p>
@@ -3509,7 +3514,7 @@
           <a:p>
             <a:fld id="{214C61E1-9D57-46C5-A3CE-AEE5D3D9BCCA}" type="datetime1">
               <a:rPr lang="de-DE" smtClean="0"/>
-              <a:t>23.01.2023</a:t>
+              <a:t>24.01.2023</a:t>
             </a:fld>
             <a:endParaRPr lang="de-DE"/>
           </a:p>
@@ -3551,7 +3556,7 @@
           <a:p>
             <a:fld id="{91D39351-CEC1-4555-9C2C-728618831CFF}" type="slidenum">
               <a:rPr lang="de-DE" smtClean="0"/>
-              <a:t>‹Nr.›</a:t>
+              <a:t>‹#›</a:t>
             </a:fld>
             <a:endParaRPr lang="de-DE"/>
           </a:p>
@@ -3766,7 +3771,7 @@
           <a:p>
             <a:fld id="{18AAF9AD-5EE0-4E66-A1CC-F4DD9558F448}" type="datetime1">
               <a:rPr lang="de-DE" smtClean="0"/>
-              <a:t>23.01.2023</a:t>
+              <a:t>24.01.2023</a:t>
             </a:fld>
             <a:endParaRPr lang="de-DE"/>
           </a:p>
@@ -3808,7 +3813,7 @@
           <a:p>
             <a:fld id="{91D39351-CEC1-4555-9C2C-728618831CFF}" type="slidenum">
               <a:rPr lang="de-DE" smtClean="0"/>
-              <a:t>‹Nr.›</a:t>
+              <a:t>‹#›</a:t>
             </a:fld>
             <a:endParaRPr lang="de-DE"/>
           </a:p>
@@ -3831,9 +3836,18 @@
 <p:sldMaster xmlns:a="http://schemas.openxmlformats.org/drawingml/2006/main" xmlns:r="http://schemas.openxmlformats.org/officeDocument/2006/relationships" xmlns:p="http://schemas.openxmlformats.org/presentationml/2006/main">
   <p:cSld>
     <p:bg>
-      <p:bgRef idx="1001">
-        <a:schemeClr val="bg1"/>
-      </p:bgRef>
+      <p:bgPr>
+        <a:blipFill dpi="0" rotWithShape="1">
+          <a:blip r:embed="rId13">
+            <a:lum/>
+          </a:blip>
+          <a:srcRect/>
+          <a:stretch>
+            <a:fillRect/>
+          </a:stretch>
+        </a:blipFill>
+        <a:effectLst/>
+      </p:bgPr>
     </p:bg>
     <p:spTree>
       <p:nvGrpSpPr>
@@ -3979,7 +3993,7 @@
           <a:p>
             <a:fld id="{683120B3-84C6-41A9-85AD-93F1FBF9AD01}" type="datetime1">
               <a:rPr lang="de-DE" smtClean="0"/>
-              <a:t>23.01.2023</a:t>
+              <a:t>24.01.2023</a:t>
             </a:fld>
             <a:endParaRPr lang="de-DE"/>
           </a:p>
@@ -4057,7 +4071,7 @@
           <a:p>
             <a:fld id="{91D39351-CEC1-4555-9C2C-728618831CFF}" type="slidenum">
               <a:rPr lang="de-DE" smtClean="0"/>
-              <a:t>‹Nr.›</a:t>
+              <a:t>‹#›</a:t>
             </a:fld>
             <a:endParaRPr lang="de-DE"/>
           </a:p>
@@ -4371,20 +4385,6 @@
 <file path=ppt/slides/slide1.xml><?xml version="1.0" encoding="utf-8"?>
 <p:sld xmlns:a="http://schemas.openxmlformats.org/drawingml/2006/main" xmlns:r="http://schemas.openxmlformats.org/officeDocument/2006/relationships" xmlns:p="http://schemas.openxmlformats.org/presentationml/2006/main">
   <p:cSld>
-    <p:bg>
-      <p:bgPr>
-        <a:blipFill dpi="0" rotWithShape="1">
-          <a:blip r:embed="rId2">
-            <a:lum/>
-          </a:blip>
-          <a:srcRect/>
-          <a:stretch>
-            <a:fillRect/>
-          </a:stretch>
-        </a:blipFill>
-        <a:effectLst/>
-      </p:bgPr>
-    </p:bg>
     <p:spTree>
       <p:nvGrpSpPr>
         <p:cNvPr id="1" name=""/>
@@ -4630,11 +4630,46 @@
           </p:cNvPicPr>
           <p:nvPr/>
         </p:nvPicPr>
-        <p:blipFill>
-          <a:blip r:embed="rId3">
+        <p:blipFill rotWithShape="1">
+          <a:blip r:embed="rId2">
             <a:extLst>
               <a:ext uri="{96DAC541-7B7A-43D3-8B79-37D633B846F1}">
-                <asvg:svgBlip xmlns:asvg="http://schemas.microsoft.com/office/drawing/2016/SVG/main" r:embed="rId4"/>
+                <asvg:svgBlip xmlns:asvg="http://schemas.microsoft.com/office/drawing/2016/SVG/main" r:embed="rId3"/>
+              </a:ext>
+            </a:extLst>
+          </a:blip>
+          <a:srcRect l="66187"/>
+          <a:stretch/>
+        </p:blipFill>
+        <p:spPr>
+          <a:xfrm>
+            <a:off x="9365942" y="1927529"/>
+            <a:ext cx="2051286" cy="1421015"/>
+          </a:xfrm>
+          <a:prstGeom prst="rect">
+            <a:avLst/>
+          </a:prstGeom>
+        </p:spPr>
+      </p:pic>
+      <p:pic>
+        <p:nvPicPr>
+          <p:cNvPr id="8" name="Picture 7" descr="A picture containing text, clipart&#10;&#10;Description automatically generated">
+            <a:extLst>
+              <a:ext uri="{FF2B5EF4-FFF2-40B4-BE49-F238E27FC236}">
+                <a16:creationId xmlns:a16="http://schemas.microsoft.com/office/drawing/2014/main" id="{1C91013B-FE04-BF1E-EF3C-8FE7F6845B6D}"/>
+              </a:ext>
+            </a:extLst>
+          </p:cNvPr>
+          <p:cNvPicPr>
+            <a:picLocks noChangeAspect="1"/>
+          </p:cNvPicPr>
+          <p:nvPr/>
+        </p:nvPicPr>
+        <p:blipFill>
+          <a:blip r:embed="rId4">
+            <a:extLst>
+              <a:ext uri="{28A0092B-C50C-407E-A947-70E740481C1C}">
+                <a14:useLocalDpi xmlns:a14="http://schemas.microsoft.com/office/drawing/2010/main" val="0"/>
               </a:ext>
             </a:extLst>
           </a:blip>
@@ -4644,8 +4679,8 @@
         </p:blipFill>
         <p:spPr>
           <a:xfrm>
-            <a:off x="5350587" y="2007985"/>
-            <a:ext cx="6066641" cy="1421015"/>
+            <a:off x="4533940" y="1464815"/>
+            <a:ext cx="4995100" cy="2128695"/>
           </a:xfrm>
           <a:prstGeom prst="rect">
             <a:avLst/>
@@ -4668,20 +4703,6 @@
 <file path=ppt/slides/slide10.xml><?xml version="1.0" encoding="utf-8"?>
 <p:sld xmlns:a="http://schemas.openxmlformats.org/drawingml/2006/main" xmlns:r="http://schemas.openxmlformats.org/officeDocument/2006/relationships" xmlns:p="http://schemas.openxmlformats.org/presentationml/2006/main">
   <p:cSld>
-    <p:bg>
-      <p:bgPr>
-        <a:blipFill dpi="0" rotWithShape="1">
-          <a:blip r:embed="rId2">
-            <a:lum/>
-          </a:blip>
-          <a:srcRect/>
-          <a:stretch>
-            <a:fillRect/>
-          </a:stretch>
-        </a:blipFill>
-        <a:effectLst/>
-      </p:bgPr>
-    </p:bg>
     <p:spTree>
       <p:nvGrpSpPr>
         <p:cNvPr id="1" name=""/>
@@ -4698,10 +4719,10 @@
       </p:grpSpPr>
       <p:sp>
         <p:nvSpPr>
-          <p:cNvPr id="4" name="Foliennummernplatzhalter 3">
+          <p:cNvPr id="5" name="Foliennummernplatzhalter 3">
             <a:extLst>
               <a:ext uri="{FF2B5EF4-FFF2-40B4-BE49-F238E27FC236}">
-                <a16:creationId xmlns:a16="http://schemas.microsoft.com/office/drawing/2014/main" id="{36BF2882-6C36-1346-D40B-B6134F6BCF25}"/>
+                <a16:creationId xmlns:a16="http://schemas.microsoft.com/office/drawing/2014/main" id="{0C72B002-B28B-83F0-2ABD-8A2529803599}"/>
               </a:ext>
             </a:extLst>
           </p:cNvPr>
@@ -4714,8 +4735,8 @@
         </p:nvSpPr>
         <p:spPr>
           <a:xfrm>
-            <a:off x="81386" y="6356350"/>
-            <a:ext cx="452865" cy="365125"/>
+            <a:off x="127709" y="6356350"/>
+            <a:ext cx="406542" cy="365125"/>
           </a:xfrm>
         </p:spPr>
         <p:txBody>
@@ -4738,10 +4759,10 @@
       </p:sp>
       <p:sp>
         <p:nvSpPr>
-          <p:cNvPr id="30" name="Textfeld 29">
+          <p:cNvPr id="23" name="Textfeld 22">
             <a:extLst>
               <a:ext uri="{FF2B5EF4-FFF2-40B4-BE49-F238E27FC236}">
-                <a16:creationId xmlns:a16="http://schemas.microsoft.com/office/drawing/2014/main" id="{63867A94-053F-8E2F-6409-5A1273F66F40}"/>
+                <a16:creationId xmlns:a16="http://schemas.microsoft.com/office/drawing/2014/main" id="{3F66F280-BE5D-377A-CC81-3674BC108D65}"/>
               </a:ext>
             </a:extLst>
           </p:cNvPr>
@@ -4750,8 +4771,8 @@
         </p:nvSpPr>
         <p:spPr>
           <a:xfrm>
-            <a:off x="2000356" y="1169820"/>
-            <a:ext cx="3512500" cy="646331"/>
+            <a:off x="330980" y="331620"/>
+            <a:ext cx="4621778" cy="646331"/>
           </a:xfrm>
           <a:prstGeom prst="rect">
             <a:avLst/>
@@ -4772,7 +4793,7 @@
                 <a:latin typeface="Courier New" panose="02070309020205020404" pitchFamily="49" charset="0"/>
                 <a:cs typeface="Courier New" panose="02070309020205020404" pitchFamily="49" charset="0"/>
               </a:rPr>
-              <a:t>HTML WEBSITE</a:t>
+              <a:t>JAVASCRIPT &amp; CSS</a:t>
             </a:r>
             <a:endParaRPr lang="de-DE" sz="3600" b="1" dirty="0">
               <a:solidFill>
@@ -4784,10 +4805,40 @@
           </a:p>
         </p:txBody>
       </p:sp>
+      <p:pic>
+        <p:nvPicPr>
+          <p:cNvPr id="3" name="Picture 2">
+            <a:extLst>
+              <a:ext uri="{FF2B5EF4-FFF2-40B4-BE49-F238E27FC236}">
+                <a16:creationId xmlns:a16="http://schemas.microsoft.com/office/drawing/2014/main" id="{F86C33A8-0DE4-7F3C-2D1E-50D2CC97C954}"/>
+              </a:ext>
+            </a:extLst>
+          </p:cNvPr>
+          <p:cNvPicPr>
+            <a:picLocks noChangeAspect="1"/>
+          </p:cNvPicPr>
+          <p:nvPr/>
+        </p:nvPicPr>
+        <p:blipFill>
+          <a:blip r:embed="rId2"/>
+          <a:stretch>
+            <a:fillRect/>
+          </a:stretch>
+        </p:blipFill>
+        <p:spPr>
+          <a:xfrm>
+            <a:off x="330980" y="1050098"/>
+            <a:ext cx="11024420" cy="5234104"/>
+          </a:xfrm>
+          <a:prstGeom prst="rect">
+            <a:avLst/>
+          </a:prstGeom>
+        </p:spPr>
+      </p:pic>
     </p:spTree>
     <p:extLst>
       <p:ext uri="{BB962C8B-B14F-4D97-AF65-F5344CB8AC3E}">
-        <p14:creationId xmlns:p14="http://schemas.microsoft.com/office/powerpoint/2010/main" val="2036687132"/>
+        <p14:creationId xmlns:p14="http://schemas.microsoft.com/office/powerpoint/2010/main" val="118992021"/>
       </p:ext>
     </p:extLst>
   </p:cSld>
@@ -4800,20 +4851,6 @@
 <file path=ppt/slides/slide11.xml><?xml version="1.0" encoding="utf-8"?>
 <p:sld xmlns:a="http://schemas.openxmlformats.org/drawingml/2006/main" xmlns:r="http://schemas.openxmlformats.org/officeDocument/2006/relationships" xmlns:p="http://schemas.openxmlformats.org/presentationml/2006/main">
   <p:cSld>
-    <p:bg>
-      <p:bgPr>
-        <a:blipFill dpi="0" rotWithShape="1">
-          <a:blip r:embed="rId2">
-            <a:lum/>
-          </a:blip>
-          <a:srcRect/>
-          <a:stretch>
-            <a:fillRect/>
-          </a:stretch>
-        </a:blipFill>
-        <a:effectLst/>
-      </p:bgPr>
-    </p:bg>
     <p:spTree>
       <p:nvGrpSpPr>
         <p:cNvPr id="1" name=""/>
@@ -5684,6 +5721,54 @@
           </a:p>
         </p:txBody>
       </p:sp>
+      <p:sp>
+        <p:nvSpPr>
+          <p:cNvPr id="7" name="Textfeld 29">
+            <a:extLst>
+              <a:ext uri="{FF2B5EF4-FFF2-40B4-BE49-F238E27FC236}">
+                <a16:creationId xmlns:a16="http://schemas.microsoft.com/office/drawing/2014/main" id="{F5B28C07-6763-6CC5-FE3F-FFA8190B61D5}"/>
+              </a:ext>
+            </a:extLst>
+          </p:cNvPr>
+          <p:cNvSpPr txBox="1"/>
+          <p:nvPr/>
+        </p:nvSpPr>
+        <p:spPr>
+          <a:xfrm>
+            <a:off x="4962631" y="684037"/>
+            <a:ext cx="5731056" cy="646331"/>
+          </a:xfrm>
+          <a:prstGeom prst="rect">
+            <a:avLst/>
+          </a:prstGeom>
+          <a:noFill/>
+        </p:spPr>
+        <p:txBody>
+          <a:bodyPr wrap="none" rtlCol="0">
+            <a:spAutoFit/>
+          </a:bodyPr>
+          <a:lstStyle/>
+          <a:p>
+            <a:r>
+              <a:rPr lang="en-GB" sz="3600" b="1" dirty="0">
+                <a:solidFill>
+                  <a:schemeClr val="bg1"/>
+                </a:solidFill>
+                <a:latin typeface="Courier New" panose="02070309020205020404" pitchFamily="49" charset="0"/>
+                <a:cs typeface="Courier New" panose="02070309020205020404" pitchFamily="49" charset="0"/>
+              </a:rPr>
+              <a:t>QUESTIONS &amp; CONCERNS</a:t>
+            </a:r>
+            <a:endParaRPr lang="de-DE" sz="3600" b="1" dirty="0">
+              <a:solidFill>
+                <a:schemeClr val="bg1"/>
+              </a:solidFill>
+              <a:latin typeface="Courier New" panose="02070309020205020404" pitchFamily="49" charset="0"/>
+              <a:cs typeface="Courier New" panose="02070309020205020404" pitchFamily="49" charset="0"/>
+            </a:endParaRPr>
+          </a:p>
+        </p:txBody>
+      </p:sp>
     </p:spTree>
     <p:extLst>
       <p:ext uri="{BB962C8B-B14F-4D97-AF65-F5344CB8AC3E}">
@@ -5700,20 +5785,6 @@
 <file path=ppt/slides/slide2.xml><?xml version="1.0" encoding="utf-8"?>
 <p:sld xmlns:a="http://schemas.openxmlformats.org/drawingml/2006/main" xmlns:r="http://schemas.openxmlformats.org/officeDocument/2006/relationships" xmlns:p="http://schemas.openxmlformats.org/presentationml/2006/main">
   <p:cSld>
-    <p:bg>
-      <p:bgPr>
-        <a:blipFill dpi="0" rotWithShape="1">
-          <a:blip r:embed="rId2">
-            <a:lum/>
-          </a:blip>
-          <a:srcRect/>
-          <a:stretch>
-            <a:fillRect/>
-          </a:stretch>
-        </a:blipFill>
-        <a:effectLst/>
-      </p:bgPr>
-    </p:bg>
     <p:spTree>
       <p:nvGrpSpPr>
         <p:cNvPr id="1" name=""/>
@@ -6320,20 +6391,6 @@
 <file path=ppt/slides/slide3.xml><?xml version="1.0" encoding="utf-8"?>
 <p:sld xmlns:a="http://schemas.openxmlformats.org/drawingml/2006/main" xmlns:r="http://schemas.openxmlformats.org/officeDocument/2006/relationships" xmlns:p="http://schemas.openxmlformats.org/presentationml/2006/main">
   <p:cSld>
-    <p:bg>
-      <p:bgPr>
-        <a:blipFill dpi="0" rotWithShape="1">
-          <a:blip r:embed="rId2">
-            <a:lum/>
-          </a:blip>
-          <a:srcRect/>
-          <a:stretch>
-            <a:fillRect/>
-          </a:stretch>
-        </a:blipFill>
-        <a:effectLst/>
-      </p:bgPr>
-    </p:bg>
     <p:spTree>
       <p:nvGrpSpPr>
         <p:cNvPr id="1" name=""/>
@@ -6643,7 +6700,7 @@
                 <a:latin typeface="Courier New" panose="02070309020205020404" pitchFamily="49" charset="0"/>
                 <a:cs typeface="Courier New" panose="02070309020205020404" pitchFamily="49" charset="0"/>
               </a:rPr>
-              <a:t>Spontanous</a:t>
+              <a:t>spontanous</a:t>
             </a:r>
             <a:r>
               <a:rPr lang="en-US" sz="1400" dirty="0">
@@ -6704,20 +6761,6 @@
 <file path=ppt/slides/slide4.xml><?xml version="1.0" encoding="utf-8"?>
 <p:sld xmlns:a="http://schemas.openxmlformats.org/drawingml/2006/main" xmlns:r="http://schemas.openxmlformats.org/officeDocument/2006/relationships" xmlns:p="http://schemas.openxmlformats.org/presentationml/2006/main">
   <p:cSld>
-    <p:bg>
-      <p:bgPr>
-        <a:blipFill dpi="0" rotWithShape="1">
-          <a:blip r:embed="rId2">
-            <a:lum/>
-          </a:blip>
-          <a:srcRect/>
-          <a:stretch>
-            <a:fillRect/>
-          </a:stretch>
-        </a:blipFill>
-        <a:effectLst/>
-      </p:bgPr>
-    </p:bg>
     <p:spTree>
       <p:nvGrpSpPr>
         <p:cNvPr id="1" name=""/>
@@ -6787,7 +6830,7 @@
           <p:nvPr/>
         </p:nvPicPr>
         <p:blipFill rotWithShape="1">
-          <a:blip r:embed="rId3"/>
+          <a:blip r:embed="rId2"/>
           <a:srcRect t="3776" b="6458"/>
           <a:stretch/>
         </p:blipFill>
@@ -6817,20 +6860,6 @@
 <file path=ppt/slides/slide5.xml><?xml version="1.0" encoding="utf-8"?>
 <p:sld xmlns:a="http://schemas.openxmlformats.org/drawingml/2006/main" xmlns:r="http://schemas.openxmlformats.org/officeDocument/2006/relationships" xmlns:p="http://schemas.openxmlformats.org/presentationml/2006/main">
   <p:cSld>
-    <p:bg>
-      <p:bgPr>
-        <a:blipFill dpi="0" rotWithShape="1">
-          <a:blip r:embed="rId2">
-            <a:lum/>
-          </a:blip>
-          <a:srcRect/>
-          <a:stretch>
-            <a:fillRect/>
-          </a:stretch>
-        </a:blipFill>
-        <a:effectLst/>
-      </p:bgPr>
-    </p:bg>
     <p:spTree>
       <p:nvGrpSpPr>
         <p:cNvPr id="1" name=""/>
@@ -9984,20 +10013,6 @@
 <file path=ppt/slides/slide6.xml><?xml version="1.0" encoding="utf-8"?>
 <p:sld xmlns:a="http://schemas.openxmlformats.org/drawingml/2006/main" xmlns:r="http://schemas.openxmlformats.org/officeDocument/2006/relationships" xmlns:p="http://schemas.openxmlformats.org/presentationml/2006/main">
   <p:cSld>
-    <p:bg>
-      <p:bgPr>
-        <a:blipFill dpi="0" rotWithShape="1">
-          <a:blip r:embed="rId2">
-            <a:lum/>
-          </a:blip>
-          <a:srcRect/>
-          <a:stretch>
-            <a:fillRect/>
-          </a:stretch>
-        </a:blipFill>
-        <a:effectLst/>
-      </p:bgPr>
-    </p:bg>
     <p:spTree>
       <p:nvGrpSpPr>
         <p:cNvPr id="1" name=""/>
@@ -10308,7 +10323,7 @@
           <p:nvPr/>
         </p:nvPicPr>
         <p:blipFill>
-          <a:blip r:embed="rId3">
+          <a:blip r:embed="rId2">
             <a:extLst>
               <a:ext uri="{28A0092B-C50C-407E-A947-70E740481C1C}">
                 <a14:useLocalDpi xmlns:a14="http://schemas.microsoft.com/office/drawing/2010/main" val="0"/>
@@ -10345,20 +10360,6 @@
 <file path=ppt/slides/slide7.xml><?xml version="1.0" encoding="utf-8"?>
 <p:sld xmlns:a="http://schemas.openxmlformats.org/drawingml/2006/main" xmlns:r="http://schemas.openxmlformats.org/officeDocument/2006/relationships" xmlns:p="http://schemas.openxmlformats.org/presentationml/2006/main">
   <p:cSld>
-    <p:bg>
-      <p:bgPr>
-        <a:blipFill dpi="0" rotWithShape="1">
-          <a:blip r:embed="rId2">
-            <a:lum/>
-          </a:blip>
-          <a:srcRect/>
-          <a:stretch>
-            <a:fillRect/>
-          </a:stretch>
-        </a:blipFill>
-        <a:effectLst/>
-      </p:bgPr>
-    </p:bg>
     <p:spTree>
       <p:nvGrpSpPr>
         <p:cNvPr id="1" name=""/>
@@ -10428,7 +10429,7 @@
           <p:nvPr/>
         </p:nvPicPr>
         <p:blipFill>
-          <a:blip r:embed="rId3"/>
+          <a:blip r:embed="rId2"/>
           <a:stretch>
             <a:fillRect/>
           </a:stretch>
@@ -11161,9 +11162,9 @@
             <a:chExt cx="5529960" cy="3751200"/>
           </a:xfrm>
         </p:grpSpPr>
-        <mc:AlternateContent xmlns:mc="http://schemas.openxmlformats.org/markup-compatibility/2006">
-          <mc:Choice xmlns:p14="http://schemas.microsoft.com/office/powerpoint/2010/main" Requires="p14">
-            <p:contentPart p14:bwMode="auto" r:id="rId4">
+        <mc:AlternateContent xmlns:mc="http://schemas.openxmlformats.org/markup-compatibility/2006" xmlns:p14="http://schemas.microsoft.com/office/powerpoint/2010/main">
+          <mc:Choice Requires="p14">
+            <p:contentPart p14:bwMode="auto" r:id="rId3">
               <p14:nvContentPartPr>
                 <p14:cNvPr id="31" name="Freihand 30">
                   <a:extLst>
@@ -11181,7 +11182,7 @@
               </p14:xfrm>
             </p:contentPart>
           </mc:Choice>
-          <mc:Fallback>
+          <mc:Fallback xmlns="">
             <p:pic>
               <p:nvPicPr>
                 <p:cNvPr id="31" name="Freihand 30">
@@ -11212,8 +11213,8 @@
             </p:pic>
           </mc:Fallback>
         </mc:AlternateContent>
-        <mc:AlternateContent xmlns:mc="http://schemas.openxmlformats.org/markup-compatibility/2006">
-          <mc:Choice xmlns:p14="http://schemas.microsoft.com/office/powerpoint/2010/main" Requires="p14">
+        <mc:AlternateContent xmlns:mc="http://schemas.openxmlformats.org/markup-compatibility/2006" xmlns:p14="http://schemas.microsoft.com/office/powerpoint/2010/main">
+          <mc:Choice Requires="p14">
             <p:contentPart p14:bwMode="auto" r:id="rId6">
               <p14:nvContentPartPr>
                 <p14:cNvPr id="32" name="Freihand 31">
@@ -11232,7 +11233,7 @@
               </p14:xfrm>
             </p:contentPart>
           </mc:Choice>
-          <mc:Fallback>
+          <mc:Fallback xmlns="">
             <p:pic>
               <p:nvPicPr>
                 <p:cNvPr id="32" name="Freihand 31">
@@ -11280,20 +11281,6 @@
 <file path=ppt/slides/slide8.xml><?xml version="1.0" encoding="utf-8"?>
 <p:sld xmlns:a="http://schemas.openxmlformats.org/drawingml/2006/main" xmlns:r="http://schemas.openxmlformats.org/officeDocument/2006/relationships" xmlns:p="http://schemas.openxmlformats.org/presentationml/2006/main">
   <p:cSld>
-    <p:bg>
-      <p:bgPr>
-        <a:blipFill dpi="0" rotWithShape="1">
-          <a:blip r:embed="rId2">
-            <a:lum/>
-          </a:blip>
-          <a:srcRect/>
-          <a:stretch>
-            <a:fillRect/>
-          </a:stretch>
-        </a:blipFill>
-        <a:effectLst/>
-      </p:bgPr>
-    </p:bg>
     <p:spTree>
       <p:nvGrpSpPr>
         <p:cNvPr id="1" name=""/>
@@ -11411,7 +11398,7 @@
           <p:nvPr/>
         </p:nvPicPr>
         <p:blipFill>
-          <a:blip r:embed="rId3"/>
+          <a:blip r:embed="rId2"/>
           <a:stretch>
             <a:fillRect/>
           </a:stretch>
@@ -11587,7 +11574,7 @@
                 </a:solidFill>
                 <a:latin typeface="Courier New" panose="02070309020205020404" pitchFamily="49" charset="0"/>
                 <a:cs typeface="Courier New" panose="02070309020205020404" pitchFamily="49" charset="0"/>
-                <a:hlinkClick r:id="rId4">
+                <a:hlinkClick r:id="rId3">
                   <a:extLst>
                     <a:ext uri="{A12FA001-AC4F-418D-AE19-62706E023703}">
                       <ahyp:hlinkClr xmlns:ahyp="http://schemas.microsoft.com/office/drawing/2018/hyperlinkcolor" val="tx"/>
@@ -11621,20 +11608,6 @@
 <file path=ppt/slides/slide9.xml><?xml version="1.0" encoding="utf-8"?>
 <p:sld xmlns:a="http://schemas.openxmlformats.org/drawingml/2006/main" xmlns:r="http://schemas.openxmlformats.org/officeDocument/2006/relationships" xmlns:p="http://schemas.openxmlformats.org/presentationml/2006/main">
   <p:cSld>
-    <p:bg>
-      <p:bgPr>
-        <a:blipFill dpi="0" rotWithShape="1">
-          <a:blip r:embed="rId2">
-            <a:lum/>
-          </a:blip>
-          <a:srcRect/>
-          <a:stretch>
-            <a:fillRect/>
-          </a:stretch>
-        </a:blipFill>
-        <a:effectLst/>
-      </p:bgPr>
-    </p:bg>
     <p:spTree>
       <p:nvGrpSpPr>
         <p:cNvPr id="1" name=""/>
@@ -11651,10 +11624,10 @@
       </p:grpSpPr>
       <p:sp>
         <p:nvSpPr>
-          <p:cNvPr id="5" name="Foliennummernplatzhalter 3">
+          <p:cNvPr id="4" name="Foliennummernplatzhalter 3">
             <a:extLst>
               <a:ext uri="{FF2B5EF4-FFF2-40B4-BE49-F238E27FC236}">
-                <a16:creationId xmlns:a16="http://schemas.microsoft.com/office/drawing/2014/main" id="{0C72B002-B28B-83F0-2ABD-8A2529803599}"/>
+                <a16:creationId xmlns:a16="http://schemas.microsoft.com/office/drawing/2014/main" id="{36BF2882-6C36-1346-D40B-B6134F6BCF25}"/>
               </a:ext>
             </a:extLst>
           </p:cNvPr>
@@ -11667,8 +11640,8 @@
         </p:nvSpPr>
         <p:spPr>
           <a:xfrm>
-            <a:off x="127709" y="6356350"/>
-            <a:ext cx="406542" cy="365125"/>
+            <a:off x="81386" y="6356350"/>
+            <a:ext cx="452865" cy="365125"/>
           </a:xfrm>
         </p:spPr>
         <p:txBody>
@@ -11691,10 +11664,10 @@
       </p:sp>
       <p:sp>
         <p:nvSpPr>
-          <p:cNvPr id="23" name="Textfeld 22">
+          <p:cNvPr id="30" name="Textfeld 29">
             <a:extLst>
               <a:ext uri="{FF2B5EF4-FFF2-40B4-BE49-F238E27FC236}">
-                <a16:creationId xmlns:a16="http://schemas.microsoft.com/office/drawing/2014/main" id="{3F66F280-BE5D-377A-CC81-3674BC108D65}"/>
+                <a16:creationId xmlns:a16="http://schemas.microsoft.com/office/drawing/2014/main" id="{63867A94-053F-8E2F-6409-5A1273F66F40}"/>
               </a:ext>
             </a:extLst>
           </p:cNvPr>
@@ -11703,8 +11676,8 @@
         </p:nvSpPr>
         <p:spPr>
           <a:xfrm>
-            <a:off x="942922" y="1169820"/>
-            <a:ext cx="4621778" cy="646331"/>
+            <a:off x="2000356" y="1169820"/>
+            <a:ext cx="3512500" cy="646331"/>
           </a:xfrm>
           <a:prstGeom prst="rect">
             <a:avLst/>
@@ -11725,7 +11698,7 @@
                 <a:latin typeface="Courier New" panose="02070309020205020404" pitchFamily="49" charset="0"/>
                 <a:cs typeface="Courier New" panose="02070309020205020404" pitchFamily="49" charset="0"/>
               </a:rPr>
-              <a:t>JAVASCRIPT &amp; CSS</a:t>
+              <a:t>HTML WEBSITE</a:t>
             </a:r>
             <a:endParaRPr lang="de-DE" sz="3600" b="1" dirty="0">
               <a:solidFill>
@@ -11737,10 +11710,40 @@
           </a:p>
         </p:txBody>
       </p:sp>
+      <p:pic>
+        <p:nvPicPr>
+          <p:cNvPr id="3" name="Picture 2">
+            <a:extLst>
+              <a:ext uri="{FF2B5EF4-FFF2-40B4-BE49-F238E27FC236}">
+                <a16:creationId xmlns:a16="http://schemas.microsoft.com/office/drawing/2014/main" id="{8DD03169-5ECF-7416-9378-A520A2FF1BCC}"/>
+              </a:ext>
+            </a:extLst>
+          </p:cNvPr>
+          <p:cNvPicPr>
+            <a:picLocks noChangeAspect="1"/>
+          </p:cNvPicPr>
+          <p:nvPr/>
+        </p:nvPicPr>
+        <p:blipFill>
+          <a:blip r:embed="rId2"/>
+          <a:stretch>
+            <a:fillRect/>
+          </a:stretch>
+        </p:blipFill>
+        <p:spPr>
+          <a:xfrm>
+            <a:off x="1250829" y="1903046"/>
+            <a:ext cx="9102063" cy="3785134"/>
+          </a:xfrm>
+          <a:prstGeom prst="rect">
+            <a:avLst/>
+          </a:prstGeom>
+        </p:spPr>
+      </p:pic>
     </p:spTree>
     <p:extLst>
       <p:ext uri="{BB962C8B-B14F-4D97-AF65-F5344CB8AC3E}">
-        <p14:creationId xmlns:p14="http://schemas.microsoft.com/office/powerpoint/2010/main" val="118992021"/>
+        <p14:creationId xmlns:p14="http://schemas.microsoft.com/office/powerpoint/2010/main" val="2036687132"/>
       </p:ext>
     </p:extLst>
   </p:cSld>
